--- a/Semantic_Analysis/Documentation/ML_24-25-09_Semantic_Similarity_Analysis_Of_Textual_Data_triVision.pptx
+++ b/Semantic_Analysis/Documentation/ML_24-25-09_Semantic_Similarity_Analysis_Of_Textual_Data_triVision.pptx
@@ -43169,7 +43169,7 @@
               <a:buNone/>
             </a:pPr>
             <a:r>
-              <a:rPr lang="en-US" sz="2599" b="1" i="0" u="none" strike="noStrike" cap="none" dirty="0">
+              <a:rPr lang="en-US" sz="2599" b="1" i="0" u="none" strike="noStrike" cap="none">
                 <a:solidFill>
                   <a:srgbClr val="FFFFFF"/>
                 </a:solidFill>
@@ -43178,8 +43178,17 @@
                 <a:cs typeface="Lato"/>
                 <a:sym typeface="Lato"/>
               </a:rPr>
-              <a:t>1566321</a:t>
+              <a:t>1566312</a:t>
             </a:r>
+            <a:endParaRPr lang="en-US" sz="2599" b="1" i="0" u="none" strike="noStrike" cap="none" dirty="0">
+              <a:solidFill>
+                <a:srgbClr val="FFFFFF"/>
+              </a:solidFill>
+              <a:latin typeface="Lato"/>
+              <a:ea typeface="Lato"/>
+              <a:cs typeface="Lato"/>
+              <a:sym typeface="Lato"/>
+            </a:endParaRPr>
           </a:p>
           <a:p>
             <a:pPr marL="0" marR="0" lvl="0" indent="0" algn="ctr" rtl="0">
